--- a/01. Java SE/Slides/04. Working with objects.pptx
+++ b/01. Java SE/Slides/04. Working with objects.pptx
@@ -238,7 +238,7 @@
           <a:p>
             <a:fld id="{59041DB8-B66F-4DC8-A96E-33677E0F90FF}" type="datetimeFigureOut">
               <a:rPr lang="en-US" smtClean="0"/>
-              <a:t>3/9/2015</a:t>
+              <a:t>3/10/2015</a:t>
             </a:fld>
             <a:endParaRPr lang="en-US"/>
           </a:p>
@@ -403,7 +403,7 @@
           <a:p>
             <a:fld id="{DEB49C4A-65AC-492D-9701-81B46C3AD0E4}" type="datetimeFigureOut">
               <a:rPr lang="en-US" smtClean="0"/>
-              <a:t>3/9/2015</a:t>
+              <a:t>3/10/2015</a:t>
             </a:fld>
             <a:endParaRPr lang="en-US"/>
           </a:p>
@@ -5013,7 +5013,7 @@
           <a:p>
             <a:fld id="{384A29A4-78C8-47AB-BA06-22CB45938951}" type="datetime1">
               <a:rPr lang="en-US" smtClean="0"/>
-              <a:t>3/9/2015</a:t>
+              <a:t>3/10/2015</a:t>
             </a:fld>
             <a:endParaRPr lang="en-US"/>
           </a:p>
@@ -5208,7 +5208,7 @@
           <a:p>
             <a:fld id="{E1ED4ACF-2D82-46F2-A8E9-23963AA34E86}" type="datetime1">
               <a:rPr lang="en-US" smtClean="0"/>
-              <a:t>3/9/2015</a:t>
+              <a:t>3/10/2015</a:t>
             </a:fld>
             <a:endParaRPr lang="en-US"/>
           </a:p>
@@ -5401,7 +5401,7 @@
           <a:p>
             <a:fld id="{AE374B5B-21A0-4192-BF4C-38187F1A68D8}" type="datetime1">
               <a:rPr lang="en-US" smtClean="0"/>
-              <a:t>3/9/2015</a:t>
+              <a:t>3/10/2015</a:t>
             </a:fld>
             <a:endParaRPr lang="en-US"/>
           </a:p>
@@ -5592,7 +5592,7 @@
           <a:p>
             <a:fld id="{AE374B5B-21A0-4192-BF4C-38187F1A68D8}" type="datetime1">
               <a:rPr lang="en-US" smtClean="0"/>
-              <a:t>3/9/2015</a:t>
+              <a:t>3/10/2015</a:t>
             </a:fld>
             <a:endParaRPr lang="en-US"/>
           </a:p>
@@ -7890,7 +7890,7 @@
           <a:p>
             <a:fld id="{33B5CF7C-B333-48E1-A4A6-83A3C8B73AC0}" type="datetime1">
               <a:rPr lang="en-US" smtClean="0"/>
-              <a:t>3/9/2015</a:t>
+              <a:t>3/10/2015</a:t>
             </a:fld>
             <a:endParaRPr lang="en-US"/>
           </a:p>
@@ -8345,7 +8345,7 @@
           <a:p>
             <a:fld id="{AE320762-5CBF-4210-AB54-376B091119F8}" type="datetime1">
               <a:rPr lang="en-US" smtClean="0"/>
-              <a:t>3/9/2015</a:t>
+              <a:t>3/10/2015</a:t>
             </a:fld>
             <a:endParaRPr lang="en-US"/>
           </a:p>
@@ -8478,7 +8478,7 @@
           <a:p>
             <a:fld id="{7F0DB371-BF5F-4058-A212-1A908E4D2674}" type="datetime1">
               <a:rPr lang="en-US" smtClean="0"/>
-              <a:t>3/9/2015</a:t>
+              <a:t>3/10/2015</a:t>
             </a:fld>
             <a:endParaRPr lang="en-US"/>
           </a:p>
@@ -10411,7 +10411,7 @@
           <a:p>
             <a:fld id="{60A4083B-90AA-48CF-BAD5-00AA24D7F288}" type="datetime1">
               <a:rPr lang="en-US" smtClean="0"/>
-              <a:t>3/9/2015</a:t>
+              <a:t>3/10/2015</a:t>
             </a:fld>
             <a:endParaRPr lang="en-US"/>
           </a:p>
@@ -14666,7 +14666,7 @@
           <a:p>
             <a:fld id="{B51B2453-8663-4C69-AF73-9FD7B1DEC5D0}" type="datetime1">
               <a:rPr lang="en-US" smtClean="0"/>
-              <a:t>3/9/2015</a:t>
+              <a:t>3/10/2015</a:t>
             </a:fld>
             <a:endParaRPr lang="en-US"/>
           </a:p>
@@ -15306,11 +15306,11 @@
           <a:p>
             <a:r>
               <a:rPr lang="en-US" dirty="0" smtClean="0"/>
-              <a:t>Example: String </a:t>
-            </a:r>
-            <a:r>
-              <a:rPr lang="en-US" dirty="0" smtClean="0"/>
-              <a:t>Checker</a:t>
+              <a:t>Example: </a:t>
+            </a:r>
+            <a:r>
+              <a:rPr lang="en-US" dirty="0" err="1" smtClean="0"/>
+              <a:t>StringChecker</a:t>
             </a:r>
             <a:endParaRPr lang="en-US" sz="1800" dirty="0"/>
           </a:p>
@@ -15905,11 +15905,11 @@
           <a:p>
             <a:r>
               <a:rPr lang="en-US" dirty="0" smtClean="0"/>
-              <a:t>Example: Reference </a:t>
-            </a:r>
-            <a:r>
-              <a:rPr lang="en-US" dirty="0" smtClean="0"/>
-              <a:t>Tester</a:t>
+              <a:t>Example: </a:t>
+            </a:r>
+            <a:r>
+              <a:rPr lang="en-US" dirty="0" err="1" smtClean="0"/>
+              <a:t>ReferenceTester</a:t>
             </a:r>
             <a:endParaRPr lang="en-US" sz="1800" dirty="0"/>
           </a:p>
@@ -17755,11 +17755,11 @@
           <a:p>
             <a:r>
               <a:rPr lang="en-US" dirty="0" smtClean="0"/>
-              <a:t>Example: Equals </a:t>
-            </a:r>
-            <a:r>
-              <a:rPr lang="en-US" dirty="0" smtClean="0"/>
-              <a:t>Tester</a:t>
+              <a:t>Example: </a:t>
+            </a:r>
+            <a:r>
+              <a:rPr lang="en-US" dirty="0" err="1" smtClean="0"/>
+              <a:t>EqualsTester</a:t>
             </a:r>
             <a:endParaRPr lang="en-US" sz="1800" dirty="0"/>
           </a:p>
@@ -18490,11 +18490,11 @@
           <a:p>
             <a:r>
               <a:rPr lang="en-US" dirty="0" smtClean="0"/>
-              <a:t>Exercise: Date </a:t>
-            </a:r>
-            <a:r>
-              <a:rPr lang="en-US" dirty="0" smtClean="0"/>
-              <a:t>Parser</a:t>
+              <a:t>Exercise: </a:t>
+            </a:r>
+            <a:r>
+              <a:rPr lang="en-US" dirty="0" err="1" smtClean="0"/>
+              <a:t>DateParser</a:t>
             </a:r>
             <a:endParaRPr lang="en-US" sz="1800" dirty="0"/>
           </a:p>
@@ -18592,11 +18592,11 @@
           <a:p>
             <a:r>
               <a:rPr lang="en-US" dirty="0" smtClean="0"/>
-              <a:t>Exercise: Box </a:t>
-            </a:r>
-            <a:r>
-              <a:rPr lang="en-US" dirty="0" smtClean="0"/>
-              <a:t>Volume</a:t>
+              <a:t>Exercise: </a:t>
+            </a:r>
+            <a:r>
+              <a:rPr lang="en-US" dirty="0" err="1" smtClean="0"/>
+              <a:t>BoxVolume</a:t>
             </a:r>
             <a:endParaRPr lang="en-US" sz="1800" dirty="0"/>
           </a:p>
@@ -18952,11 +18952,11 @@
           <a:p>
             <a:r>
               <a:rPr lang="en-US" dirty="0" smtClean="0"/>
-              <a:t>Example: Token </a:t>
-            </a:r>
-            <a:r>
-              <a:rPr lang="en-US" dirty="0" smtClean="0"/>
-              <a:t>Tester</a:t>
+              <a:t>Example: </a:t>
+            </a:r>
+            <a:r>
+              <a:rPr lang="en-US" dirty="0" err="1" smtClean="0"/>
+              <a:t>TokenTester</a:t>
             </a:r>
             <a:endParaRPr lang="en-US" sz="1800" dirty="0"/>
           </a:p>
@@ -19326,11 +19326,11 @@
           <a:p>
             <a:r>
               <a:rPr lang="en-US" dirty="0" smtClean="0"/>
-              <a:t>Example: Point </a:t>
-            </a:r>
-            <a:r>
-              <a:rPr lang="en-US" dirty="0" smtClean="0"/>
-              <a:t>Setter</a:t>
+              <a:t>Example: </a:t>
+            </a:r>
+            <a:r>
+              <a:rPr lang="en-US" dirty="0" err="1" smtClean="0"/>
+              <a:t>PointSetter</a:t>
             </a:r>
             <a:endParaRPr lang="en-US" sz="1800" dirty="0"/>
           </a:p>
